--- a/yaron/mew.pptx
+++ b/yaron/mew.pptx
@@ -2858,7 +2858,7 @@
           <a:p>
             <a:fld id="{B8DE2F67-C6D4-470E-BEB9-058F9F971D13}" type="datetimeFigureOut">
               <a:rPr lang="he-IL" smtClean="0"/>
-              <a:t>כ"א/אלול/תשע"ט</a:t>
+              <a:t>ז'/חשון/תש"פ</a:t>
             </a:fld>
             <a:endParaRPr lang="he-IL"/>
           </a:p>
@@ -3563,7 +3563,7 @@
           <a:p>
             <a:fld id="{6699EF77-E5DA-4873-94BD-EF98EFDB2706}" type="datetimeFigureOut">
               <a:rPr lang="he-IL" smtClean="0"/>
-              <a:t>כ"א/אלול/תשע"ט</a:t>
+              <a:t>ז'/חשון/תש"פ</a:t>
             </a:fld>
             <a:endParaRPr lang="he-IL"/>
           </a:p>
@@ -3763,7 +3763,7 @@
           <a:p>
             <a:fld id="{6699EF77-E5DA-4873-94BD-EF98EFDB2706}" type="datetimeFigureOut">
               <a:rPr lang="he-IL" smtClean="0"/>
-              <a:t>כ"א/אלול/תשע"ט</a:t>
+              <a:t>ז'/חשון/תש"פ</a:t>
             </a:fld>
             <a:endParaRPr lang="he-IL"/>
           </a:p>
@@ -3973,7 +3973,7 @@
           <a:p>
             <a:fld id="{6699EF77-E5DA-4873-94BD-EF98EFDB2706}" type="datetimeFigureOut">
               <a:rPr lang="he-IL" smtClean="0"/>
-              <a:t>כ"א/אלול/תשע"ט</a:t>
+              <a:t>ז'/חשון/תש"פ</a:t>
             </a:fld>
             <a:endParaRPr lang="he-IL"/>
           </a:p>
@@ -4173,7 +4173,7 @@
           <a:p>
             <a:fld id="{6699EF77-E5DA-4873-94BD-EF98EFDB2706}" type="datetimeFigureOut">
               <a:rPr lang="he-IL" smtClean="0"/>
-              <a:t>כ"א/אלול/תשע"ט</a:t>
+              <a:t>ז'/חשון/תש"פ</a:t>
             </a:fld>
             <a:endParaRPr lang="he-IL"/>
           </a:p>
@@ -4449,7 +4449,7 @@
           <a:p>
             <a:fld id="{6699EF77-E5DA-4873-94BD-EF98EFDB2706}" type="datetimeFigureOut">
               <a:rPr lang="he-IL" smtClean="0"/>
-              <a:t>כ"א/אלול/תשע"ט</a:t>
+              <a:t>ז'/חשון/תש"פ</a:t>
             </a:fld>
             <a:endParaRPr lang="he-IL"/>
           </a:p>
@@ -4717,7 +4717,7 @@
           <a:p>
             <a:fld id="{6699EF77-E5DA-4873-94BD-EF98EFDB2706}" type="datetimeFigureOut">
               <a:rPr lang="he-IL" smtClean="0"/>
-              <a:t>כ"א/אלול/תשע"ט</a:t>
+              <a:t>ז'/חשון/תש"פ</a:t>
             </a:fld>
             <a:endParaRPr lang="he-IL"/>
           </a:p>
@@ -5132,7 +5132,7 @@
           <a:p>
             <a:fld id="{6699EF77-E5DA-4873-94BD-EF98EFDB2706}" type="datetimeFigureOut">
               <a:rPr lang="he-IL" smtClean="0"/>
-              <a:t>כ"א/אלול/תשע"ט</a:t>
+              <a:t>ז'/חשון/תש"פ</a:t>
             </a:fld>
             <a:endParaRPr lang="he-IL"/>
           </a:p>
@@ -5274,7 +5274,7 @@
           <a:p>
             <a:fld id="{6699EF77-E5DA-4873-94BD-EF98EFDB2706}" type="datetimeFigureOut">
               <a:rPr lang="he-IL" smtClean="0"/>
-              <a:t>כ"א/אלול/תשע"ט</a:t>
+              <a:t>ז'/חשון/תש"פ</a:t>
             </a:fld>
             <a:endParaRPr lang="he-IL"/>
           </a:p>
@@ -5387,7 +5387,7 @@
           <a:p>
             <a:fld id="{6699EF77-E5DA-4873-94BD-EF98EFDB2706}" type="datetimeFigureOut">
               <a:rPr lang="he-IL" smtClean="0"/>
-              <a:t>כ"א/אלול/תשע"ט</a:t>
+              <a:t>ז'/חשון/תש"פ</a:t>
             </a:fld>
             <a:endParaRPr lang="he-IL"/>
           </a:p>
@@ -5700,7 +5700,7 @@
           <a:p>
             <a:fld id="{6699EF77-E5DA-4873-94BD-EF98EFDB2706}" type="datetimeFigureOut">
               <a:rPr lang="he-IL" smtClean="0"/>
-              <a:t>כ"א/אלול/תשע"ט</a:t>
+              <a:t>ז'/חשון/תש"פ</a:t>
             </a:fld>
             <a:endParaRPr lang="he-IL"/>
           </a:p>
@@ -5989,7 +5989,7 @@
           <a:p>
             <a:fld id="{6699EF77-E5DA-4873-94BD-EF98EFDB2706}" type="datetimeFigureOut">
               <a:rPr lang="he-IL" smtClean="0"/>
-              <a:t>כ"א/אלול/תשע"ט</a:t>
+              <a:t>ז'/חשון/תש"פ</a:t>
             </a:fld>
             <a:endParaRPr lang="he-IL"/>
           </a:p>
@@ -6232,7 +6232,7 @@
           <a:p>
             <a:fld id="{6699EF77-E5DA-4873-94BD-EF98EFDB2706}" type="datetimeFigureOut">
               <a:rPr lang="he-IL" smtClean="0"/>
-              <a:t>כ"א/אלול/תשע"ט</a:t>
+              <a:t>ז'/חשון/תש"פ</a:t>
             </a:fld>
             <a:endParaRPr lang="he-IL"/>
           </a:p>
@@ -6896,8 +6896,13 @@
           <a:p>
             <a:r>
               <a:rPr lang="en-US" sz="2000" dirty="0"/>
-              <a:t>Prediction of PTSD that occur as a result of service in ILS.</a:t>
-            </a:r>
+              <a:t>Prediction of PTSD that occur as a result of service </a:t>
+            </a:r>
+            <a:r>
+              <a:rPr lang="en-US" sz="2000"/>
+              <a:t>in IDF.</a:t>
+            </a:r>
+            <a:endParaRPr lang="en-US" sz="2000" dirty="0"/>
           </a:p>
           <a:p>
             <a:r>
